--- a/git/Formation Git.pptx
+++ b/git/Formation Git.pptx
@@ -5,7 +5,7 @@
     <p:sldMasterId id="2147483669" r:id="rId1"/>
   </p:sldMasterIdLst>
   <p:notesMasterIdLst>
-    <p:notesMasterId r:id="rId65"/>
+    <p:notesMasterId r:id="rId69"/>
   </p:notesMasterIdLst>
   <p:sldIdLst>
     <p:sldId id="256" r:id="rId2"/>
@@ -71,6 +71,10 @@
     <p:sldId id="319" r:id="rId62"/>
     <p:sldId id="320" r:id="rId63"/>
     <p:sldId id="321" r:id="rId64"/>
+    <p:sldId id="322" r:id="rId65"/>
+    <p:sldId id="324" r:id="rId66"/>
+    <p:sldId id="325" r:id="rId67"/>
+    <p:sldId id="323" r:id="rId68"/>
   </p:sldIdLst>
   <p:sldSz cx="12192000" cy="6858000"/>
   <p:notesSz cx="6858000" cy="9144000"/>
@@ -1245,7 +1249,7 @@
           <a:p>
             <a:fld id="{4AAD347D-5ACD-4C99-B74B-A9C85AD731AF}" type="datetimeFigureOut">
               <a:rPr lang="en-US" smtClean="0"/>
-              <a:t>1/9/2023</a:t>
+              <a:t>1/11/2023</a:t>
             </a:fld>
             <a:endParaRPr lang="en-US" dirty="0"/>
           </a:p>
@@ -1496,7 +1500,7 @@
           <a:p>
             <a:fld id="{4AAD347D-5ACD-4C99-B74B-A9C85AD731AF}" type="datetimeFigureOut">
               <a:rPr lang="en-US" smtClean="0"/>
-              <a:t>1/9/2023</a:t>
+              <a:t>1/11/2023</a:t>
             </a:fld>
             <a:endParaRPr lang="en-US" dirty="0"/>
           </a:p>
@@ -1811,7 +1815,7 @@
           <a:p>
             <a:fld id="{4AAD347D-5ACD-4C99-B74B-A9C85AD731AF}" type="datetimeFigureOut">
               <a:rPr lang="en-US" smtClean="0"/>
-              <a:t>1/9/2023</a:t>
+              <a:t>1/11/2023</a:t>
             </a:fld>
             <a:endParaRPr lang="en-US" dirty="0"/>
           </a:p>
@@ -2153,7 +2157,7 @@
           <a:p>
             <a:fld id="{4509A250-FF31-4206-8172-F9D3106AACB1}" type="datetimeFigureOut">
               <a:rPr lang="en-US" smtClean="0"/>
-              <a:t>1/9/2023</a:t>
+              <a:t>1/11/2023</a:t>
             </a:fld>
             <a:endParaRPr lang="en-US" dirty="0"/>
           </a:p>
@@ -2468,7 +2472,7 @@
           <a:p>
             <a:fld id="{4AAD347D-5ACD-4C99-B74B-A9C85AD731AF}" type="datetimeFigureOut">
               <a:rPr lang="en-US" smtClean="0"/>
-              <a:t>1/9/2023</a:t>
+              <a:t>1/11/2023</a:t>
             </a:fld>
             <a:endParaRPr lang="en-US" dirty="0"/>
           </a:p>
@@ -2862,7 +2866,7 @@
           <a:p>
             <a:fld id="{4AAD347D-5ACD-4C99-B74B-A9C85AD731AF}" type="datetimeFigureOut">
               <a:rPr lang="en-US" smtClean="0"/>
-              <a:t>1/9/2023</a:t>
+              <a:t>1/11/2023</a:t>
             </a:fld>
             <a:endParaRPr lang="en-US" dirty="0"/>
           </a:p>
@@ -3033,7 +3037,7 @@
           <a:p>
             <a:fld id="{4509A250-FF31-4206-8172-F9D3106AACB1}" type="datetimeFigureOut">
               <a:rPr lang="en-US" smtClean="0"/>
-              <a:t>1/9/2023</a:t>
+              <a:t>1/11/2023</a:t>
             </a:fld>
             <a:endParaRPr lang="en-US" dirty="0"/>
           </a:p>
@@ -3214,7 +3218,7 @@
           <a:p>
             <a:fld id="{4509A250-FF31-4206-8172-F9D3106AACB1}" type="datetimeFigureOut">
               <a:rPr lang="en-US" smtClean="0"/>
-              <a:t>1/9/2023</a:t>
+              <a:t>1/11/2023</a:t>
             </a:fld>
             <a:endParaRPr lang="en-US" dirty="0"/>
           </a:p>
@@ -3391,7 +3395,7 @@
           <a:p>
             <a:fld id="{4509A250-FF31-4206-8172-F9D3106AACB1}" type="datetimeFigureOut">
               <a:rPr lang="en-US" smtClean="0"/>
-              <a:t>1/9/2023</a:t>
+              <a:t>1/11/2023</a:t>
             </a:fld>
             <a:endParaRPr lang="en-US" dirty="0"/>
           </a:p>
@@ -3639,7 +3643,7 @@
           <a:p>
             <a:fld id="{9796027F-7875-4030-9381-8BD8C4F21935}" type="datetimeFigureOut">
               <a:rPr lang="en-US" smtClean="0"/>
-              <a:t>1/9/2023</a:t>
+              <a:t>1/11/2023</a:t>
             </a:fld>
             <a:endParaRPr lang="en-US" dirty="0"/>
           </a:p>
@@ -3872,7 +3876,7 @@
           <a:p>
             <a:fld id="{9796027F-7875-4030-9381-8BD8C4F21935}" type="datetimeFigureOut">
               <a:rPr lang="en-US" smtClean="0"/>
-              <a:t>1/9/2023</a:t>
+              <a:t>1/11/2023</a:t>
             </a:fld>
             <a:endParaRPr lang="en-US" dirty="0"/>
           </a:p>
@@ -4247,7 +4251,7 @@
           <a:p>
             <a:fld id="{9796027F-7875-4030-9381-8BD8C4F21935}" type="datetimeFigureOut">
               <a:rPr lang="en-US" smtClean="0"/>
-              <a:t>1/9/2023</a:t>
+              <a:t>1/11/2023</a:t>
             </a:fld>
             <a:endParaRPr lang="en-US" dirty="0"/>
           </a:p>
@@ -4371,7 +4375,7 @@
           <a:p>
             <a:fld id="{4509A250-FF31-4206-8172-F9D3106AACB1}" type="datetimeFigureOut">
               <a:rPr lang="en-US" smtClean="0"/>
-              <a:t>1/9/2023</a:t>
+              <a:t>1/11/2023</a:t>
             </a:fld>
             <a:endParaRPr lang="en-US" dirty="0"/>
           </a:p>
@@ -4467,7 +4471,7 @@
           <a:p>
             <a:fld id="{4509A250-FF31-4206-8172-F9D3106AACB1}" type="datetimeFigureOut">
               <a:rPr lang="en-US" smtClean="0"/>
-              <a:t>1/9/2023</a:t>
+              <a:t>1/11/2023</a:t>
             </a:fld>
             <a:endParaRPr lang="en-US" dirty="0"/>
           </a:p>
@@ -4723,7 +4727,7 @@
           <a:p>
             <a:fld id="{4509A250-FF31-4206-8172-F9D3106AACB1}" type="datetimeFigureOut">
               <a:rPr lang="en-US" smtClean="0"/>
-              <a:t>1/9/2023</a:t>
+              <a:t>1/11/2023</a:t>
             </a:fld>
             <a:endParaRPr lang="en-US" dirty="0"/>
           </a:p>
@@ -4987,7 +4991,7 @@
           <a:p>
             <a:fld id="{4509A250-FF31-4206-8172-F9D3106AACB1}" type="datetimeFigureOut">
               <a:rPr lang="en-US" smtClean="0"/>
-              <a:t>1/9/2023</a:t>
+              <a:t>1/11/2023</a:t>
             </a:fld>
             <a:endParaRPr lang="en-US" dirty="0"/>
           </a:p>
@@ -5731,7 +5735,7 @@
           <a:p>
             <a:fld id="{4AAD347D-5ACD-4C99-B74B-A9C85AD731AF}" type="datetimeFigureOut">
               <a:rPr lang="en-US" smtClean="0"/>
-              <a:t>1/9/2023</a:t>
+              <a:t>1/11/2023</a:t>
             </a:fld>
             <a:endParaRPr lang="en-US" dirty="0"/>
           </a:p>
@@ -13938,22 +13942,42 @@
           </a:p>
           <a:p>
             <a:r>
-              <a:rPr lang="fr-FR" dirty="0"/>
+              <a:rPr lang="fr-FR" b="1" dirty="0">
+                <a:solidFill>
+                  <a:srgbClr val="FF0000"/>
+                </a:solidFill>
+              </a:rPr>
               <a:t>git </a:t>
             </a:r>
             <a:r>
-              <a:rPr lang="fr-FR" dirty="0" err="1"/>
+              <a:rPr lang="fr-FR" b="1" dirty="0" err="1">
+                <a:solidFill>
+                  <a:srgbClr val="FF0000"/>
+                </a:solidFill>
+              </a:rPr>
               <a:t>branch</a:t>
             </a:r>
             <a:r>
-              <a:rPr lang="fr-FR" dirty="0"/>
+              <a:rPr lang="fr-FR" b="1" dirty="0">
+                <a:solidFill>
+                  <a:srgbClr val="FF0000"/>
+                </a:solidFill>
+              </a:rPr>
               <a:t> –d </a:t>
             </a:r>
             <a:r>
-              <a:rPr lang="fr-FR" dirty="0" err="1"/>
+              <a:rPr lang="fr-FR" b="1" dirty="0" err="1">
+                <a:solidFill>
+                  <a:srgbClr val="FF0000"/>
+                </a:solidFill>
+              </a:rPr>
               <a:t>gestionClients</a:t>
             </a:r>
-            <a:endParaRPr lang="fr-FR" dirty="0"/>
+            <a:endParaRPr lang="fr-FR" b="1" dirty="0">
+              <a:solidFill>
+                <a:srgbClr val="FF0000"/>
+              </a:solidFill>
+            </a:endParaRPr>
           </a:p>
           <a:p>
             <a:r>
@@ -17876,6 +17900,1873 @@
     <p:extLst>
       <p:ext uri="{BB962C8B-B14F-4D97-AF65-F5344CB8AC3E}">
         <p14:creationId xmlns:p14="http://schemas.microsoft.com/office/powerpoint/2010/main" val="3601371124"/>
+      </p:ext>
+    </p:extLst>
+  </p:cSld>
+  <p:clrMapOvr>
+    <a:masterClrMapping/>
+  </p:clrMapOvr>
+</p:sld>
+</file>
+
+<file path=ppt/slides/slide64.xml><?xml version="1.0" encoding="utf-8"?>
+<p:sld xmlns:a="http://schemas.openxmlformats.org/drawingml/2006/main" xmlns:r="http://schemas.openxmlformats.org/officeDocument/2006/relationships" xmlns:p="http://schemas.openxmlformats.org/presentationml/2006/main">
+  <p:cSld>
+    <p:spTree>
+      <p:nvGrpSpPr>
+        <p:cNvPr id="1" name=""/>
+        <p:cNvGrpSpPr/>
+        <p:nvPr/>
+      </p:nvGrpSpPr>
+      <p:grpSpPr>
+        <a:xfrm>
+          <a:off x="0" y="0"/>
+          <a:ext cx="0" cy="0"/>
+          <a:chOff x="0" y="0"/>
+          <a:chExt cx="0" cy="0"/>
+        </a:xfrm>
+      </p:grpSpPr>
+      <p:sp>
+        <p:nvSpPr>
+          <p:cNvPr id="2" name="Titre 1">
+            <a:extLst>
+              <a:ext uri="{FF2B5EF4-FFF2-40B4-BE49-F238E27FC236}">
+                <a16:creationId xmlns:a16="http://schemas.microsoft.com/office/drawing/2014/main" id="{094BE5D5-D6E8-501D-D74D-7A821B5DCBBD}"/>
+              </a:ext>
+            </a:extLst>
+          </p:cNvPr>
+          <p:cNvSpPr>
+            <a:spLocks noGrp="1"/>
+          </p:cNvSpPr>
+          <p:nvPr>
+            <p:ph type="title"/>
+          </p:nvPr>
+        </p:nvSpPr>
+        <p:spPr/>
+        <p:txBody>
+          <a:bodyPr/>
+          <a:lstStyle/>
+          <a:p>
+            <a:r>
+              <a:rPr lang="fr-FR" dirty="0"/>
+              <a:t>Comment se connecter à </a:t>
+            </a:r>
+            <a:r>
+              <a:rPr lang="fr-FR" dirty="0" err="1"/>
+              <a:t>GitLab</a:t>
+            </a:r>
+            <a:r>
+              <a:rPr lang="fr-FR" dirty="0"/>
+              <a:t> avec une clé </a:t>
+            </a:r>
+            <a:r>
+              <a:rPr lang="fr-FR" dirty="0" err="1"/>
+              <a:t>ssh</a:t>
+            </a:r>
+            <a:endParaRPr lang="fr-FR" dirty="0"/>
+          </a:p>
+        </p:txBody>
+      </p:sp>
+      <p:sp>
+        <p:nvSpPr>
+          <p:cNvPr id="3" name="Espace réservé du contenu 2">
+            <a:extLst>
+              <a:ext uri="{FF2B5EF4-FFF2-40B4-BE49-F238E27FC236}">
+                <a16:creationId xmlns:a16="http://schemas.microsoft.com/office/drawing/2014/main" id="{7EEE9C17-30CA-9764-0449-EAD665B4A7B0}"/>
+              </a:ext>
+            </a:extLst>
+          </p:cNvPr>
+          <p:cNvSpPr>
+            <a:spLocks noGrp="1"/>
+          </p:cNvSpPr>
+          <p:nvPr>
+            <p:ph idx="1"/>
+          </p:nvPr>
+        </p:nvSpPr>
+        <p:spPr>
+          <a:xfrm>
+            <a:off x="69682" y="2031536"/>
+            <a:ext cx="4905986" cy="3880773"/>
+          </a:xfrm>
+        </p:spPr>
+        <p:txBody>
+          <a:bodyPr>
+            <a:normAutofit/>
+          </a:bodyPr>
+          <a:lstStyle/>
+          <a:p>
+            <a:r>
+              <a:rPr lang="de-DE" sz="2800" b="1" dirty="0"/>
+              <a:t>Comment </a:t>
+            </a:r>
+            <a:r>
+              <a:rPr lang="de-DE" sz="2800" b="1" dirty="0" err="1"/>
+              <a:t>créer</a:t>
+            </a:r>
+            <a:r>
+              <a:rPr lang="de-DE" sz="2800" b="1" dirty="0"/>
+              <a:t> la </a:t>
+            </a:r>
+            <a:r>
+              <a:rPr lang="de-DE" sz="2800" b="1" dirty="0" err="1"/>
+              <a:t>Clé</a:t>
+            </a:r>
+            <a:r>
+              <a:rPr lang="de-DE" sz="2800" b="1" dirty="0"/>
+              <a:t> </a:t>
+            </a:r>
+            <a:r>
+              <a:rPr lang="de-DE" sz="2800" b="1" dirty="0" err="1"/>
+              <a:t>ssh</a:t>
+            </a:r>
+            <a:endParaRPr lang="de-DE" sz="2800" b="1" dirty="0"/>
+          </a:p>
+          <a:p>
+            <a:r>
+              <a:rPr lang="de-DE" dirty="0"/>
+              <a:t>Pour </a:t>
+            </a:r>
+            <a:r>
+              <a:rPr lang="de-DE" dirty="0" err="1"/>
+              <a:t>sécuriser</a:t>
+            </a:r>
+            <a:r>
+              <a:rPr lang="de-DE" dirty="0"/>
+              <a:t> </a:t>
+            </a:r>
+            <a:r>
+              <a:rPr lang="de-DE" dirty="0" err="1"/>
+              <a:t>votre</a:t>
+            </a:r>
+            <a:r>
+              <a:rPr lang="de-DE" dirty="0"/>
+              <a:t> </a:t>
+            </a:r>
+            <a:r>
+              <a:rPr lang="de-DE" dirty="0" err="1"/>
+              <a:t>repository</a:t>
+            </a:r>
+            <a:r>
+              <a:rPr lang="de-DE" dirty="0"/>
+              <a:t> et </a:t>
+            </a:r>
+            <a:r>
+              <a:rPr lang="de-DE" dirty="0" err="1"/>
+              <a:t>éviter</a:t>
+            </a:r>
+            <a:r>
+              <a:rPr lang="de-DE" dirty="0"/>
+              <a:t> à </a:t>
+            </a:r>
+            <a:r>
+              <a:rPr lang="de-DE" dirty="0" err="1"/>
+              <a:t>chaque</a:t>
+            </a:r>
+            <a:r>
+              <a:rPr lang="de-DE" dirty="0"/>
+              <a:t> </a:t>
+            </a:r>
+            <a:r>
+              <a:rPr lang="de-DE" dirty="0" err="1"/>
+              <a:t>fois</a:t>
+            </a:r>
+            <a:r>
+              <a:rPr lang="de-DE" dirty="0"/>
+              <a:t> de </a:t>
+            </a:r>
+            <a:r>
+              <a:rPr lang="de-DE" dirty="0" err="1"/>
+              <a:t>tapez</a:t>
+            </a:r>
+            <a:r>
+              <a:rPr lang="de-DE" dirty="0"/>
+              <a:t> </a:t>
+            </a:r>
+            <a:r>
+              <a:rPr lang="de-DE" dirty="0" err="1"/>
+              <a:t>les</a:t>
+            </a:r>
+            <a:r>
+              <a:rPr lang="de-DE" dirty="0"/>
+              <a:t> </a:t>
+            </a:r>
+            <a:r>
+              <a:rPr lang="de-DE" dirty="0" err="1"/>
+              <a:t>identifiants</a:t>
+            </a:r>
+            <a:r>
+              <a:rPr lang="de-DE" dirty="0"/>
+              <a:t> </a:t>
+            </a:r>
+            <a:r>
+              <a:rPr lang="de-DE" dirty="0" err="1"/>
+              <a:t>pour</a:t>
+            </a:r>
+            <a:r>
+              <a:rPr lang="de-DE" dirty="0"/>
+              <a:t> </a:t>
+            </a:r>
+            <a:r>
+              <a:rPr lang="de-DE" dirty="0" err="1"/>
+              <a:t>les</a:t>
+            </a:r>
+            <a:r>
+              <a:rPr lang="de-DE" dirty="0"/>
+              <a:t> </a:t>
+            </a:r>
+            <a:r>
+              <a:rPr lang="de-DE" dirty="0" err="1"/>
+              <a:t>dépot</a:t>
+            </a:r>
+            <a:r>
+              <a:rPr lang="de-DE" dirty="0"/>
+              <a:t> </a:t>
+            </a:r>
+            <a:r>
+              <a:rPr lang="de-DE" dirty="0" err="1"/>
+              <a:t>distants</a:t>
+            </a:r>
+            <a:r>
+              <a:rPr lang="de-DE" dirty="0"/>
+              <a:t> </a:t>
+            </a:r>
+            <a:r>
+              <a:rPr lang="de-DE" dirty="0" err="1"/>
+              <a:t>privé</a:t>
+            </a:r>
+            <a:r>
+              <a:rPr lang="de-DE" dirty="0"/>
+              <a:t>, </a:t>
+            </a:r>
+            <a:r>
+              <a:rPr lang="de-DE" dirty="0" err="1"/>
+              <a:t>vous</a:t>
+            </a:r>
+            <a:r>
+              <a:rPr lang="de-DE" dirty="0"/>
+              <a:t> </a:t>
+            </a:r>
+            <a:r>
+              <a:rPr lang="de-DE" dirty="0" err="1"/>
+              <a:t>devez</a:t>
+            </a:r>
+            <a:r>
+              <a:rPr lang="de-DE" dirty="0"/>
+              <a:t> </a:t>
+            </a:r>
+            <a:r>
+              <a:rPr lang="de-DE" dirty="0" err="1"/>
+              <a:t>générer</a:t>
+            </a:r>
+            <a:r>
+              <a:rPr lang="de-DE" dirty="0"/>
+              <a:t> </a:t>
+            </a:r>
+            <a:r>
+              <a:rPr lang="de-DE" dirty="0" err="1"/>
+              <a:t>une</a:t>
+            </a:r>
+            <a:r>
+              <a:rPr lang="de-DE" dirty="0"/>
+              <a:t> </a:t>
+            </a:r>
+            <a:r>
+              <a:rPr lang="de-DE" dirty="0" err="1"/>
+              <a:t>clé</a:t>
+            </a:r>
+            <a:r>
+              <a:rPr lang="de-DE" dirty="0"/>
+              <a:t> </a:t>
+            </a:r>
+            <a:r>
+              <a:rPr lang="de-DE" dirty="0" err="1"/>
+              <a:t>ssh</a:t>
+            </a:r>
+            <a:r>
+              <a:rPr lang="de-DE" dirty="0"/>
+              <a:t> et </a:t>
+            </a:r>
+            <a:r>
+              <a:rPr lang="de-DE" dirty="0" err="1"/>
+              <a:t>l‘ajouter</a:t>
+            </a:r>
+            <a:r>
+              <a:rPr lang="de-DE" dirty="0"/>
+              <a:t> à </a:t>
+            </a:r>
+            <a:r>
+              <a:rPr lang="de-DE" dirty="0" err="1"/>
+              <a:t>votre</a:t>
+            </a:r>
+            <a:r>
+              <a:rPr lang="de-DE" dirty="0"/>
+              <a:t> </a:t>
+            </a:r>
+            <a:r>
+              <a:rPr lang="de-DE" dirty="0" err="1"/>
+              <a:t>profil</a:t>
+            </a:r>
+            <a:r>
+              <a:rPr lang="de-DE" dirty="0"/>
+              <a:t> </a:t>
+            </a:r>
+            <a:r>
+              <a:rPr lang="de-DE" dirty="0" err="1"/>
+              <a:t>git</a:t>
+            </a:r>
+            <a:r>
+              <a:rPr lang="de-DE" dirty="0"/>
+              <a:t> lab</a:t>
+            </a:r>
+          </a:p>
+          <a:p>
+            <a:r>
+              <a:rPr lang="de-DE" dirty="0" err="1"/>
+              <a:t>Tapez</a:t>
+            </a:r>
+            <a:r>
+              <a:rPr lang="de-DE" dirty="0"/>
+              <a:t> la </a:t>
+            </a:r>
+            <a:r>
+              <a:rPr lang="de-DE" dirty="0" err="1"/>
+              <a:t>commande</a:t>
+            </a:r>
+            <a:r>
+              <a:rPr lang="de-DE" dirty="0"/>
+              <a:t>   </a:t>
+            </a:r>
+            <a:r>
+              <a:rPr lang="de-DE" b="1" dirty="0" err="1">
+                <a:solidFill>
+                  <a:srgbClr val="FF0000"/>
+                </a:solidFill>
+              </a:rPr>
+              <a:t>ssh-keygen</a:t>
+            </a:r>
+            <a:endParaRPr lang="de-DE" b="1" dirty="0">
+              <a:solidFill>
+                <a:srgbClr val="FF0000"/>
+              </a:solidFill>
+            </a:endParaRPr>
+          </a:p>
+          <a:p>
+            <a:endParaRPr lang="fr-FR" dirty="0"/>
+          </a:p>
+        </p:txBody>
+      </p:sp>
+      <p:pic>
+        <p:nvPicPr>
+          <p:cNvPr id="7" name="Image 6">
+            <a:extLst>
+              <a:ext uri="{FF2B5EF4-FFF2-40B4-BE49-F238E27FC236}">
+                <a16:creationId xmlns:a16="http://schemas.microsoft.com/office/drawing/2014/main" id="{33396C9B-64E6-D98F-FB29-1E45CBAABFAD}"/>
+              </a:ext>
+            </a:extLst>
+          </p:cNvPr>
+          <p:cNvPicPr>
+            <a:picLocks noChangeAspect="1"/>
+          </p:cNvPicPr>
+          <p:nvPr/>
+        </p:nvPicPr>
+        <p:blipFill>
+          <a:blip r:embed="rId2"/>
+          <a:stretch>
+            <a:fillRect/>
+          </a:stretch>
+        </p:blipFill>
+        <p:spPr>
+          <a:xfrm>
+            <a:off x="4975668" y="1921973"/>
+            <a:ext cx="6983050" cy="4099897"/>
+          </a:xfrm>
+          <a:prstGeom prst="rect">
+            <a:avLst/>
+          </a:prstGeom>
+        </p:spPr>
+      </p:pic>
+    </p:spTree>
+    <p:extLst>
+      <p:ext uri="{BB962C8B-B14F-4D97-AF65-F5344CB8AC3E}">
+        <p14:creationId xmlns:p14="http://schemas.microsoft.com/office/powerpoint/2010/main" val="3070670462"/>
+      </p:ext>
+    </p:extLst>
+  </p:cSld>
+  <p:clrMapOvr>
+    <a:masterClrMapping/>
+  </p:clrMapOvr>
+</p:sld>
+</file>
+
+<file path=ppt/slides/slide65.xml><?xml version="1.0" encoding="utf-8"?>
+<p:sld xmlns:a="http://schemas.openxmlformats.org/drawingml/2006/main" xmlns:r="http://schemas.openxmlformats.org/officeDocument/2006/relationships" xmlns:p="http://schemas.openxmlformats.org/presentationml/2006/main">
+  <p:cSld>
+    <p:spTree>
+      <p:nvGrpSpPr>
+        <p:cNvPr id="1" name=""/>
+        <p:cNvGrpSpPr/>
+        <p:nvPr/>
+      </p:nvGrpSpPr>
+      <p:grpSpPr>
+        <a:xfrm>
+          <a:off x="0" y="0"/>
+          <a:ext cx="0" cy="0"/>
+          <a:chOff x="0" y="0"/>
+          <a:chExt cx="0" cy="0"/>
+        </a:xfrm>
+      </p:grpSpPr>
+      <p:sp>
+        <p:nvSpPr>
+          <p:cNvPr id="2" name="Titre 1">
+            <a:extLst>
+              <a:ext uri="{FF2B5EF4-FFF2-40B4-BE49-F238E27FC236}">
+                <a16:creationId xmlns:a16="http://schemas.microsoft.com/office/drawing/2014/main" id="{094BE5D5-D6E8-501D-D74D-7A821B5DCBBD}"/>
+              </a:ext>
+            </a:extLst>
+          </p:cNvPr>
+          <p:cNvSpPr>
+            <a:spLocks noGrp="1"/>
+          </p:cNvSpPr>
+          <p:nvPr>
+            <p:ph type="title"/>
+          </p:nvPr>
+        </p:nvSpPr>
+        <p:spPr/>
+        <p:txBody>
+          <a:bodyPr/>
+          <a:lstStyle/>
+          <a:p>
+            <a:r>
+              <a:rPr lang="fr-FR" dirty="0"/>
+              <a:t>Comment se connecter à </a:t>
+            </a:r>
+            <a:r>
+              <a:rPr lang="fr-FR" dirty="0" err="1"/>
+              <a:t>GitLab</a:t>
+            </a:r>
+            <a:r>
+              <a:rPr lang="fr-FR" dirty="0"/>
+              <a:t> avec une clé </a:t>
+            </a:r>
+            <a:r>
+              <a:rPr lang="fr-FR" dirty="0" err="1"/>
+              <a:t>ssh</a:t>
+            </a:r>
+            <a:endParaRPr lang="fr-FR" dirty="0"/>
+          </a:p>
+        </p:txBody>
+      </p:sp>
+      <p:sp>
+        <p:nvSpPr>
+          <p:cNvPr id="3" name="Espace réservé du contenu 2">
+            <a:extLst>
+              <a:ext uri="{FF2B5EF4-FFF2-40B4-BE49-F238E27FC236}">
+                <a16:creationId xmlns:a16="http://schemas.microsoft.com/office/drawing/2014/main" id="{7EEE9C17-30CA-9764-0449-EAD665B4A7B0}"/>
+              </a:ext>
+            </a:extLst>
+          </p:cNvPr>
+          <p:cNvSpPr>
+            <a:spLocks noGrp="1"/>
+          </p:cNvSpPr>
+          <p:nvPr>
+            <p:ph idx="1"/>
+          </p:nvPr>
+        </p:nvSpPr>
+        <p:spPr>
+          <a:xfrm>
+            <a:off x="69682" y="2031536"/>
+            <a:ext cx="4905986" cy="3880773"/>
+          </a:xfrm>
+        </p:spPr>
+        <p:txBody>
+          <a:bodyPr>
+            <a:normAutofit/>
+          </a:bodyPr>
+          <a:lstStyle/>
+          <a:p>
+            <a:r>
+              <a:rPr lang="de-DE" sz="2800" b="1" dirty="0"/>
+              <a:t>Comment </a:t>
+            </a:r>
+            <a:r>
+              <a:rPr lang="de-DE" sz="2800" b="1" dirty="0" err="1"/>
+              <a:t>Configurer</a:t>
+            </a:r>
+            <a:r>
+              <a:rPr lang="de-DE" sz="2800" b="1" dirty="0"/>
+              <a:t> le </a:t>
+            </a:r>
+            <a:r>
+              <a:rPr lang="de-DE" sz="2800" b="1" dirty="0" err="1"/>
+              <a:t>profil</a:t>
+            </a:r>
+            <a:r>
+              <a:rPr lang="de-DE" sz="2800" b="1" dirty="0"/>
+              <a:t> </a:t>
+            </a:r>
+            <a:r>
+              <a:rPr lang="de-DE" sz="2800" b="1" dirty="0" err="1"/>
+              <a:t>Gitlab</a:t>
+            </a:r>
+            <a:endParaRPr lang="de-DE" sz="2800" b="1" dirty="0"/>
+          </a:p>
+          <a:p>
+            <a:endParaRPr lang="de-DE" dirty="0"/>
+          </a:p>
+          <a:p>
+            <a:endParaRPr lang="fr-FR" dirty="0"/>
+          </a:p>
+        </p:txBody>
+      </p:sp>
+      <p:pic>
+        <p:nvPicPr>
+          <p:cNvPr id="5" name="Image 4">
+            <a:extLst>
+              <a:ext uri="{FF2B5EF4-FFF2-40B4-BE49-F238E27FC236}">
+                <a16:creationId xmlns:a16="http://schemas.microsoft.com/office/drawing/2014/main" id="{A67D2241-EAF4-F49E-E518-A2A65E2ABC45}"/>
+              </a:ext>
+            </a:extLst>
+          </p:cNvPr>
+          <p:cNvPicPr>
+            <a:picLocks noChangeAspect="1"/>
+          </p:cNvPicPr>
+          <p:nvPr/>
+        </p:nvPicPr>
+        <p:blipFill>
+          <a:blip r:embed="rId2"/>
+          <a:stretch>
+            <a:fillRect/>
+          </a:stretch>
+        </p:blipFill>
+        <p:spPr>
+          <a:xfrm>
+            <a:off x="3724625" y="2797892"/>
+            <a:ext cx="3057525" cy="3676650"/>
+          </a:xfrm>
+          <a:prstGeom prst="rect">
+            <a:avLst/>
+          </a:prstGeom>
+        </p:spPr>
+      </p:pic>
+      <p:pic>
+        <p:nvPicPr>
+          <p:cNvPr id="8" name="Image 7">
+            <a:extLst>
+              <a:ext uri="{FF2B5EF4-FFF2-40B4-BE49-F238E27FC236}">
+                <a16:creationId xmlns:a16="http://schemas.microsoft.com/office/drawing/2014/main" id="{9710BF0C-32E2-672C-3FD6-00877AA1F4AC}"/>
+              </a:ext>
+            </a:extLst>
+          </p:cNvPr>
+          <p:cNvPicPr>
+            <a:picLocks noChangeAspect="1"/>
+          </p:cNvPicPr>
+          <p:nvPr/>
+        </p:nvPicPr>
+        <p:blipFill rotWithShape="1">
+          <a:blip r:embed="rId3"/>
+          <a:srcRect t="12601" r="83933" b="22867"/>
+          <a:stretch/>
+        </p:blipFill>
+        <p:spPr>
+          <a:xfrm>
+            <a:off x="8588634" y="1822803"/>
+            <a:ext cx="1958890" cy="4425597"/>
+          </a:xfrm>
+          <a:prstGeom prst="rect">
+            <a:avLst/>
+          </a:prstGeom>
+        </p:spPr>
+      </p:pic>
+      <p:sp>
+        <p:nvSpPr>
+          <p:cNvPr id="9" name="Rectangle 8">
+            <a:extLst>
+              <a:ext uri="{FF2B5EF4-FFF2-40B4-BE49-F238E27FC236}">
+                <a16:creationId xmlns:a16="http://schemas.microsoft.com/office/drawing/2014/main" id="{BD22C90E-38EA-7820-07EE-FB520BAF261F}"/>
+              </a:ext>
+            </a:extLst>
+          </p:cNvPr>
+          <p:cNvSpPr/>
+          <p:nvPr/>
+        </p:nvSpPr>
+        <p:spPr>
+          <a:xfrm>
+            <a:off x="3972232" y="5368413"/>
+            <a:ext cx="1622323" cy="412955"/>
+          </a:xfrm>
+          <a:prstGeom prst="rect">
+            <a:avLst/>
+          </a:prstGeom>
+          <a:noFill/>
+          <a:ln>
+            <a:solidFill>
+              <a:srgbClr val="FF0000"/>
+            </a:solidFill>
+          </a:ln>
+        </p:spPr>
+        <p:style>
+          <a:lnRef idx="2">
+            <a:schemeClr val="accent1">
+              <a:shade val="50000"/>
+            </a:schemeClr>
+          </a:lnRef>
+          <a:fillRef idx="1">
+            <a:schemeClr val="accent1"/>
+          </a:fillRef>
+          <a:effectRef idx="0">
+            <a:schemeClr val="accent1"/>
+          </a:effectRef>
+          <a:fontRef idx="minor">
+            <a:schemeClr val="lt1"/>
+          </a:fontRef>
+        </p:style>
+        <p:txBody>
+          <a:bodyPr rtlCol="0" anchor="ctr"/>
+          <a:lstStyle/>
+          <a:p>
+            <a:pPr algn="ctr"/>
+            <a:endParaRPr lang="fr-FR"/>
+          </a:p>
+        </p:txBody>
+      </p:sp>
+      <p:sp>
+        <p:nvSpPr>
+          <p:cNvPr id="10" name="Rectangle 9">
+            <a:extLst>
+              <a:ext uri="{FF2B5EF4-FFF2-40B4-BE49-F238E27FC236}">
+                <a16:creationId xmlns:a16="http://schemas.microsoft.com/office/drawing/2014/main" id="{E1D6896D-58DE-7C81-7BD7-FD62D332143E}"/>
+              </a:ext>
+            </a:extLst>
+          </p:cNvPr>
+          <p:cNvSpPr/>
+          <p:nvPr/>
+        </p:nvSpPr>
+        <p:spPr>
+          <a:xfrm>
+            <a:off x="8630611" y="4499898"/>
+            <a:ext cx="1622323" cy="412955"/>
+          </a:xfrm>
+          <a:prstGeom prst="rect">
+            <a:avLst/>
+          </a:prstGeom>
+          <a:noFill/>
+          <a:ln>
+            <a:solidFill>
+              <a:srgbClr val="FF0000"/>
+            </a:solidFill>
+          </a:ln>
+        </p:spPr>
+        <p:style>
+          <a:lnRef idx="2">
+            <a:schemeClr val="accent1">
+              <a:shade val="50000"/>
+            </a:schemeClr>
+          </a:lnRef>
+          <a:fillRef idx="1">
+            <a:schemeClr val="accent1"/>
+          </a:fillRef>
+          <a:effectRef idx="0">
+            <a:schemeClr val="accent1"/>
+          </a:effectRef>
+          <a:fontRef idx="minor">
+            <a:schemeClr val="lt1"/>
+          </a:fontRef>
+        </p:style>
+        <p:txBody>
+          <a:bodyPr rtlCol="0" anchor="ctr"/>
+          <a:lstStyle/>
+          <a:p>
+            <a:pPr algn="ctr"/>
+            <a:endParaRPr lang="fr-FR"/>
+          </a:p>
+        </p:txBody>
+      </p:sp>
+      <p:cxnSp>
+        <p:nvCxnSpPr>
+          <p:cNvPr id="12" name="Connecteur droit avec flèche 11">
+            <a:extLst>
+              <a:ext uri="{FF2B5EF4-FFF2-40B4-BE49-F238E27FC236}">
+                <a16:creationId xmlns:a16="http://schemas.microsoft.com/office/drawing/2014/main" id="{78BEBA86-0B33-9285-5869-F54694EFB5F9}"/>
+              </a:ext>
+            </a:extLst>
+          </p:cNvPr>
+          <p:cNvCxnSpPr>
+            <a:stCxn id="9" idx="3"/>
+            <a:endCxn id="10" idx="1"/>
+          </p:cNvCxnSpPr>
+          <p:nvPr/>
+        </p:nvCxnSpPr>
+        <p:spPr>
+          <a:xfrm flipV="1">
+            <a:off x="5594555" y="4706376"/>
+            <a:ext cx="3036056" cy="868515"/>
+          </a:xfrm>
+          <a:prstGeom prst="straightConnector1">
+            <a:avLst/>
+          </a:prstGeom>
+          <a:ln>
+            <a:tailEnd type="triangle"/>
+          </a:ln>
+        </p:spPr>
+        <p:style>
+          <a:lnRef idx="1">
+            <a:schemeClr val="accent5"/>
+          </a:lnRef>
+          <a:fillRef idx="0">
+            <a:schemeClr val="accent5"/>
+          </a:fillRef>
+          <a:effectRef idx="0">
+            <a:schemeClr val="accent5"/>
+          </a:effectRef>
+          <a:fontRef idx="minor">
+            <a:schemeClr val="tx1"/>
+          </a:fontRef>
+        </p:style>
+      </p:cxnSp>
+    </p:spTree>
+    <p:extLst>
+      <p:ext uri="{BB962C8B-B14F-4D97-AF65-F5344CB8AC3E}">
+        <p14:creationId xmlns:p14="http://schemas.microsoft.com/office/powerpoint/2010/main" val="2248057734"/>
+      </p:ext>
+    </p:extLst>
+  </p:cSld>
+  <p:clrMapOvr>
+    <a:masterClrMapping/>
+  </p:clrMapOvr>
+</p:sld>
+</file>
+
+<file path=ppt/slides/slide66.xml><?xml version="1.0" encoding="utf-8"?>
+<p:sld xmlns:a="http://schemas.openxmlformats.org/drawingml/2006/main" xmlns:r="http://schemas.openxmlformats.org/officeDocument/2006/relationships" xmlns:p="http://schemas.openxmlformats.org/presentationml/2006/main">
+  <p:cSld>
+    <p:spTree>
+      <p:nvGrpSpPr>
+        <p:cNvPr id="1" name=""/>
+        <p:cNvGrpSpPr/>
+        <p:nvPr/>
+      </p:nvGrpSpPr>
+      <p:grpSpPr>
+        <a:xfrm>
+          <a:off x="0" y="0"/>
+          <a:ext cx="0" cy="0"/>
+          <a:chOff x="0" y="0"/>
+          <a:chExt cx="0" cy="0"/>
+        </a:xfrm>
+      </p:grpSpPr>
+      <p:sp>
+        <p:nvSpPr>
+          <p:cNvPr id="2" name="Titre 1">
+            <a:extLst>
+              <a:ext uri="{FF2B5EF4-FFF2-40B4-BE49-F238E27FC236}">
+                <a16:creationId xmlns:a16="http://schemas.microsoft.com/office/drawing/2014/main" id="{094BE5D5-D6E8-501D-D74D-7A821B5DCBBD}"/>
+              </a:ext>
+            </a:extLst>
+          </p:cNvPr>
+          <p:cNvSpPr>
+            <a:spLocks noGrp="1"/>
+          </p:cNvSpPr>
+          <p:nvPr>
+            <p:ph type="title"/>
+          </p:nvPr>
+        </p:nvSpPr>
+        <p:spPr>
+          <a:xfrm>
+            <a:off x="677334" y="609600"/>
+            <a:ext cx="8596668" cy="812083"/>
+          </a:xfrm>
+        </p:spPr>
+        <p:txBody>
+          <a:bodyPr/>
+          <a:lstStyle/>
+          <a:p>
+            <a:r>
+              <a:rPr lang="de-DE" sz="3600" b="1" dirty="0"/>
+              <a:t>Comment </a:t>
+            </a:r>
+            <a:r>
+              <a:rPr lang="de-DE" sz="3600" b="1" dirty="0" err="1"/>
+              <a:t>Configurer</a:t>
+            </a:r>
+            <a:r>
+              <a:rPr lang="de-DE" sz="3600" b="1" dirty="0"/>
+              <a:t> le </a:t>
+            </a:r>
+            <a:r>
+              <a:rPr lang="de-DE" sz="3600" b="1" dirty="0" err="1"/>
+              <a:t>profil</a:t>
+            </a:r>
+            <a:r>
+              <a:rPr lang="de-DE" sz="3600" b="1" dirty="0"/>
+              <a:t> </a:t>
+            </a:r>
+            <a:r>
+              <a:rPr lang="de-DE" sz="3600" b="1" dirty="0" err="1"/>
+              <a:t>Gitlab</a:t>
+            </a:r>
+            <a:endParaRPr lang="de-DE" sz="3600" b="1" dirty="0"/>
+          </a:p>
+        </p:txBody>
+      </p:sp>
+      <p:pic>
+        <p:nvPicPr>
+          <p:cNvPr id="6" name="Image 5">
+            <a:extLst>
+              <a:ext uri="{FF2B5EF4-FFF2-40B4-BE49-F238E27FC236}">
+                <a16:creationId xmlns:a16="http://schemas.microsoft.com/office/drawing/2014/main" id="{7375A308-0F65-D0D5-D2D3-E1398101D30D}"/>
+              </a:ext>
+            </a:extLst>
+          </p:cNvPr>
+          <p:cNvPicPr>
+            <a:picLocks noChangeAspect="1"/>
+          </p:cNvPicPr>
+          <p:nvPr/>
+        </p:nvPicPr>
+        <p:blipFill rotWithShape="1">
+          <a:blip r:embed="rId2"/>
+          <a:srcRect l="572" t="4444" r="51936" b="59140"/>
+          <a:stretch/>
+        </p:blipFill>
+        <p:spPr>
+          <a:xfrm>
+            <a:off x="401136" y="1479755"/>
+            <a:ext cx="5790344" cy="2497394"/>
+          </a:xfrm>
+          <a:prstGeom prst="rect">
+            <a:avLst/>
+          </a:prstGeom>
+        </p:spPr>
+      </p:pic>
+      <p:pic>
+        <p:nvPicPr>
+          <p:cNvPr id="11" name="Image 10">
+            <a:extLst>
+              <a:ext uri="{FF2B5EF4-FFF2-40B4-BE49-F238E27FC236}">
+                <a16:creationId xmlns:a16="http://schemas.microsoft.com/office/drawing/2014/main" id="{BE953663-B548-8B69-AC93-FE3BD79B2516}"/>
+              </a:ext>
+            </a:extLst>
+          </p:cNvPr>
+          <p:cNvPicPr>
+            <a:picLocks noChangeAspect="1"/>
+          </p:cNvPicPr>
+          <p:nvPr/>
+        </p:nvPicPr>
+        <p:blipFill>
+          <a:blip r:embed="rId3"/>
+          <a:stretch>
+            <a:fillRect/>
+          </a:stretch>
+        </p:blipFill>
+        <p:spPr>
+          <a:xfrm>
+            <a:off x="677334" y="4351696"/>
+            <a:ext cx="3705225" cy="2343150"/>
+          </a:xfrm>
+          <a:prstGeom prst="rect">
+            <a:avLst/>
+          </a:prstGeom>
+        </p:spPr>
+      </p:pic>
+      <p:cxnSp>
+        <p:nvCxnSpPr>
+          <p:cNvPr id="14" name="Connecteur droit avec flèche 13">
+            <a:extLst>
+              <a:ext uri="{FF2B5EF4-FFF2-40B4-BE49-F238E27FC236}">
+                <a16:creationId xmlns:a16="http://schemas.microsoft.com/office/drawing/2014/main" id="{699702F3-2A1A-E3D7-4004-8BAC09C5D696}"/>
+              </a:ext>
+            </a:extLst>
+          </p:cNvPr>
+          <p:cNvCxnSpPr>
+            <a:cxnSpLocks/>
+          </p:cNvCxnSpPr>
+          <p:nvPr/>
+        </p:nvCxnSpPr>
+        <p:spPr>
+          <a:xfrm flipH="1">
+            <a:off x="3038168" y="2921820"/>
+            <a:ext cx="98322" cy="2456425"/>
+          </a:xfrm>
+          <a:prstGeom prst="straightConnector1">
+            <a:avLst/>
+          </a:prstGeom>
+          <a:ln>
+            <a:tailEnd type="triangle"/>
+          </a:ln>
+        </p:spPr>
+        <p:style>
+          <a:lnRef idx="1">
+            <a:schemeClr val="accent5"/>
+          </a:lnRef>
+          <a:fillRef idx="0">
+            <a:schemeClr val="accent5"/>
+          </a:fillRef>
+          <a:effectRef idx="0">
+            <a:schemeClr val="accent5"/>
+          </a:effectRef>
+          <a:fontRef idx="minor">
+            <a:schemeClr val="tx1"/>
+          </a:fontRef>
+        </p:style>
+      </p:cxnSp>
+      <p:pic>
+        <p:nvPicPr>
+          <p:cNvPr id="16" name="Image 15">
+            <a:extLst>
+              <a:ext uri="{FF2B5EF4-FFF2-40B4-BE49-F238E27FC236}">
+                <a16:creationId xmlns:a16="http://schemas.microsoft.com/office/drawing/2014/main" id="{AC811845-81ED-74E0-2E8B-7A3B26C382BB}"/>
+              </a:ext>
+            </a:extLst>
+          </p:cNvPr>
+          <p:cNvPicPr>
+            <a:picLocks noChangeAspect="1"/>
+          </p:cNvPicPr>
+          <p:nvPr/>
+        </p:nvPicPr>
+        <p:blipFill rotWithShape="1">
+          <a:blip r:embed="rId4"/>
+          <a:srcRect l="46210" t="13585" r="9274" b="10968"/>
+          <a:stretch/>
+        </p:blipFill>
+        <p:spPr>
+          <a:xfrm>
+            <a:off x="6487540" y="1304004"/>
+            <a:ext cx="5427406" cy="5174226"/>
+          </a:xfrm>
+          <a:prstGeom prst="rect">
+            <a:avLst/>
+          </a:prstGeom>
+        </p:spPr>
+      </p:pic>
+      <p:cxnSp>
+        <p:nvCxnSpPr>
+          <p:cNvPr id="20" name="Connecteur droit avec flèche 19">
+            <a:extLst>
+              <a:ext uri="{FF2B5EF4-FFF2-40B4-BE49-F238E27FC236}">
+                <a16:creationId xmlns:a16="http://schemas.microsoft.com/office/drawing/2014/main" id="{56188BD0-5DCA-9DEF-7504-192E638B164F}"/>
+              </a:ext>
+            </a:extLst>
+          </p:cNvPr>
+          <p:cNvCxnSpPr>
+            <a:cxnSpLocks/>
+          </p:cNvCxnSpPr>
+          <p:nvPr/>
+        </p:nvCxnSpPr>
+        <p:spPr>
+          <a:xfrm flipV="1">
+            <a:off x="3429542" y="2536723"/>
+            <a:ext cx="3865993" cy="2986548"/>
+          </a:xfrm>
+          <a:prstGeom prst="straightConnector1">
+            <a:avLst/>
+          </a:prstGeom>
+          <a:ln>
+            <a:tailEnd type="triangle"/>
+          </a:ln>
+        </p:spPr>
+        <p:style>
+          <a:lnRef idx="1">
+            <a:schemeClr val="accent5"/>
+          </a:lnRef>
+          <a:fillRef idx="0">
+            <a:schemeClr val="accent5"/>
+          </a:fillRef>
+          <a:effectRef idx="0">
+            <a:schemeClr val="accent5"/>
+          </a:effectRef>
+          <a:fontRef idx="minor">
+            <a:schemeClr val="tx1"/>
+          </a:fontRef>
+        </p:style>
+      </p:cxnSp>
+      <p:sp>
+        <p:nvSpPr>
+          <p:cNvPr id="23" name="Rectangle 22">
+            <a:extLst>
+              <a:ext uri="{FF2B5EF4-FFF2-40B4-BE49-F238E27FC236}">
+                <a16:creationId xmlns:a16="http://schemas.microsoft.com/office/drawing/2014/main" id="{D0B94666-EF61-D157-7816-279003495B00}"/>
+              </a:ext>
+            </a:extLst>
+          </p:cNvPr>
+          <p:cNvSpPr/>
+          <p:nvPr/>
+        </p:nvSpPr>
+        <p:spPr>
+          <a:xfrm>
+            <a:off x="6646606" y="6105832"/>
+            <a:ext cx="875071" cy="372398"/>
+          </a:xfrm>
+          <a:prstGeom prst="rect">
+            <a:avLst/>
+          </a:prstGeom>
+          <a:noFill/>
+          <a:ln>
+            <a:solidFill>
+              <a:srgbClr val="FF0000"/>
+            </a:solidFill>
+          </a:ln>
+        </p:spPr>
+        <p:style>
+          <a:lnRef idx="2">
+            <a:schemeClr val="accent1">
+              <a:shade val="50000"/>
+            </a:schemeClr>
+          </a:lnRef>
+          <a:fillRef idx="1">
+            <a:schemeClr val="accent1"/>
+          </a:fillRef>
+          <a:effectRef idx="0">
+            <a:schemeClr val="accent1"/>
+          </a:effectRef>
+          <a:fontRef idx="minor">
+            <a:schemeClr val="lt1"/>
+          </a:fontRef>
+        </p:style>
+        <p:txBody>
+          <a:bodyPr rtlCol="0" anchor="ctr"/>
+          <a:lstStyle/>
+          <a:p>
+            <a:pPr algn="ctr"/>
+            <a:endParaRPr lang="fr-FR"/>
+          </a:p>
+        </p:txBody>
+      </p:sp>
+    </p:spTree>
+    <p:extLst>
+      <p:ext uri="{BB962C8B-B14F-4D97-AF65-F5344CB8AC3E}">
+        <p14:creationId xmlns:p14="http://schemas.microsoft.com/office/powerpoint/2010/main" val="721930280"/>
+      </p:ext>
+    </p:extLst>
+  </p:cSld>
+  <p:clrMapOvr>
+    <a:masterClrMapping/>
+  </p:clrMapOvr>
+</p:sld>
+</file>
+
+<file path=ppt/slides/slide67.xml><?xml version="1.0" encoding="utf-8"?>
+<p:sld xmlns:a="http://schemas.openxmlformats.org/drawingml/2006/main" xmlns:r="http://schemas.openxmlformats.org/officeDocument/2006/relationships" xmlns:p="http://schemas.openxmlformats.org/presentationml/2006/main">
+  <p:cSld>
+    <p:spTree>
+      <p:nvGrpSpPr>
+        <p:cNvPr id="1" name=""/>
+        <p:cNvGrpSpPr/>
+        <p:nvPr/>
+      </p:nvGrpSpPr>
+      <p:grpSpPr>
+        <a:xfrm>
+          <a:off x="0" y="0"/>
+          <a:ext cx="0" cy="0"/>
+          <a:chOff x="0" y="0"/>
+          <a:chExt cx="0" cy="0"/>
+        </a:xfrm>
+      </p:grpSpPr>
+      <p:sp>
+        <p:nvSpPr>
+          <p:cNvPr id="2" name="Titre 1">
+            <a:extLst>
+              <a:ext uri="{FF2B5EF4-FFF2-40B4-BE49-F238E27FC236}">
+                <a16:creationId xmlns:a16="http://schemas.microsoft.com/office/drawing/2014/main" id="{CA84DAA1-5684-1917-5E97-CE24957D0744}"/>
+              </a:ext>
+            </a:extLst>
+          </p:cNvPr>
+          <p:cNvSpPr>
+            <a:spLocks noGrp="1"/>
+          </p:cNvSpPr>
+          <p:nvPr>
+            <p:ph type="title"/>
+          </p:nvPr>
+        </p:nvSpPr>
+        <p:spPr/>
+        <p:txBody>
+          <a:bodyPr/>
+          <a:lstStyle/>
+          <a:p>
+            <a:r>
+              <a:rPr lang="fr-FR" dirty="0"/>
+              <a:t>Comment se connecter à </a:t>
+            </a:r>
+            <a:r>
+              <a:rPr lang="fr-FR" dirty="0" err="1"/>
+              <a:t>GitLab</a:t>
+            </a:r>
+            <a:r>
+              <a:rPr lang="fr-FR" dirty="0"/>
+              <a:t> avec une clé </a:t>
+            </a:r>
+            <a:r>
+              <a:rPr lang="fr-FR" dirty="0" err="1"/>
+              <a:t>ssh</a:t>
+            </a:r>
+            <a:endParaRPr lang="fr-FR" dirty="0"/>
+          </a:p>
+        </p:txBody>
+      </p:sp>
+      <p:sp>
+        <p:nvSpPr>
+          <p:cNvPr id="3" name="Espace réservé du contenu 2">
+            <a:extLst>
+              <a:ext uri="{FF2B5EF4-FFF2-40B4-BE49-F238E27FC236}">
+                <a16:creationId xmlns:a16="http://schemas.microsoft.com/office/drawing/2014/main" id="{6457B3FE-B62C-B737-F3BC-832785CC7E64}"/>
+              </a:ext>
+            </a:extLst>
+          </p:cNvPr>
+          <p:cNvSpPr>
+            <a:spLocks noGrp="1"/>
+          </p:cNvSpPr>
+          <p:nvPr>
+            <p:ph idx="1"/>
+          </p:nvPr>
+        </p:nvSpPr>
+        <p:spPr/>
+        <p:txBody>
+          <a:bodyPr/>
+          <a:lstStyle/>
+          <a:p>
+            <a:r>
+              <a:rPr lang="fr-FR" dirty="0"/>
+              <a:t>Ouvrez le fichier id_rsa.pub dans bloc notes puis copiez son contenu en entier et colle le dans l’éditeur des clé </a:t>
+            </a:r>
+            <a:r>
+              <a:rPr lang="fr-FR" dirty="0" err="1"/>
+              <a:t>ssh</a:t>
+            </a:r>
+            <a:r>
+              <a:rPr lang="fr-FR" dirty="0"/>
+              <a:t> de </a:t>
+            </a:r>
+            <a:r>
+              <a:rPr lang="fr-FR" dirty="0" err="1"/>
+              <a:t>gitlab</a:t>
+            </a:r>
+            <a:r>
+              <a:rPr lang="fr-FR" dirty="0"/>
+              <a:t> et cliquez sur </a:t>
+            </a:r>
+            <a:r>
+              <a:rPr lang="fr-FR" dirty="0" err="1"/>
+              <a:t>addkey</a:t>
+            </a:r>
+            <a:endParaRPr lang="fr-FR" dirty="0"/>
+          </a:p>
+          <a:p>
+            <a:r>
+              <a:rPr lang="de-DE" dirty="0" err="1">
+                <a:solidFill>
+                  <a:schemeClr val="tx1">
+                    <a:lumMod val="65000"/>
+                    <a:lumOff val="35000"/>
+                  </a:schemeClr>
+                </a:solidFill>
+              </a:rPr>
+              <a:t>Sur</a:t>
+            </a:r>
+            <a:r>
+              <a:rPr lang="de-DE" dirty="0">
+                <a:solidFill>
+                  <a:schemeClr val="tx1">
+                    <a:lumMod val="65000"/>
+                    <a:lumOff val="35000"/>
+                  </a:schemeClr>
+                </a:solidFill>
+              </a:rPr>
+              <a:t> </a:t>
+            </a:r>
+            <a:r>
+              <a:rPr lang="de-DE" dirty="0" err="1">
+                <a:solidFill>
+                  <a:schemeClr val="tx1">
+                    <a:lumMod val="65000"/>
+                    <a:lumOff val="35000"/>
+                  </a:schemeClr>
+                </a:solidFill>
+              </a:rPr>
+              <a:t>votre</a:t>
+            </a:r>
+            <a:r>
+              <a:rPr lang="de-DE" dirty="0">
+                <a:solidFill>
+                  <a:schemeClr val="tx1">
+                    <a:lumMod val="65000"/>
+                    <a:lumOff val="35000"/>
+                  </a:schemeClr>
+                </a:solidFill>
+              </a:rPr>
+              <a:t> </a:t>
+            </a:r>
+            <a:r>
+              <a:rPr lang="de-DE" dirty="0" err="1">
+                <a:solidFill>
+                  <a:schemeClr val="tx1">
+                    <a:lumMod val="65000"/>
+                    <a:lumOff val="35000"/>
+                  </a:schemeClr>
+                </a:solidFill>
+              </a:rPr>
+              <a:t>pc</a:t>
+            </a:r>
+            <a:r>
+              <a:rPr lang="de-DE" dirty="0">
+                <a:solidFill>
+                  <a:schemeClr val="tx1">
+                    <a:lumMod val="65000"/>
+                    <a:lumOff val="35000"/>
+                  </a:schemeClr>
+                </a:solidFill>
+              </a:rPr>
+              <a:t> </a:t>
+            </a:r>
+            <a:r>
+              <a:rPr lang="de-DE" dirty="0" err="1">
+                <a:solidFill>
+                  <a:schemeClr val="tx1">
+                    <a:lumMod val="65000"/>
+                    <a:lumOff val="35000"/>
+                  </a:schemeClr>
+                </a:solidFill>
+              </a:rPr>
+              <a:t>local</a:t>
+            </a:r>
+            <a:r>
+              <a:rPr lang="de-DE" dirty="0">
+                <a:solidFill>
+                  <a:schemeClr val="tx1">
+                    <a:lumMod val="65000"/>
+                    <a:lumOff val="35000"/>
+                  </a:schemeClr>
+                </a:solidFill>
+              </a:rPr>
+              <a:t> </a:t>
+            </a:r>
+            <a:r>
+              <a:rPr lang="de-DE" dirty="0" err="1">
+                <a:solidFill>
+                  <a:schemeClr val="tx1">
+                    <a:lumMod val="65000"/>
+                    <a:lumOff val="35000"/>
+                  </a:schemeClr>
+                </a:solidFill>
+              </a:rPr>
+              <a:t>tapez</a:t>
+            </a:r>
+            <a:r>
+              <a:rPr lang="de-DE" dirty="0">
+                <a:solidFill>
+                  <a:schemeClr val="tx1">
+                    <a:lumMod val="65000"/>
+                    <a:lumOff val="35000"/>
+                  </a:schemeClr>
+                </a:solidFill>
+              </a:rPr>
+              <a:t> la </a:t>
+            </a:r>
+            <a:r>
+              <a:rPr lang="de-DE" dirty="0" err="1">
+                <a:solidFill>
+                  <a:schemeClr val="tx1">
+                    <a:lumMod val="65000"/>
+                    <a:lumOff val="35000"/>
+                  </a:schemeClr>
+                </a:solidFill>
+              </a:rPr>
+              <a:t>commande</a:t>
+            </a:r>
+            <a:r>
+              <a:rPr lang="de-DE" dirty="0">
+                <a:solidFill>
+                  <a:schemeClr val="tx1">
+                    <a:lumMod val="65000"/>
+                    <a:lumOff val="35000"/>
+                  </a:schemeClr>
+                </a:solidFill>
+              </a:rPr>
+              <a:t> </a:t>
+            </a:r>
+            <a:br>
+              <a:rPr lang="de-DE" b="1" dirty="0">
+                <a:solidFill>
+                  <a:srgbClr val="FF0000"/>
+                </a:solidFill>
+              </a:rPr>
+            </a:br>
+            <a:r>
+              <a:rPr lang="de-DE" b="1" dirty="0" err="1">
+                <a:solidFill>
+                  <a:srgbClr val="FF0000"/>
+                </a:solidFill>
+              </a:rPr>
+              <a:t>ssh</a:t>
+            </a:r>
+            <a:r>
+              <a:rPr lang="de-DE" b="1" dirty="0">
+                <a:solidFill>
+                  <a:srgbClr val="FF0000"/>
+                </a:solidFill>
+              </a:rPr>
+              <a:t> -T </a:t>
+            </a:r>
+            <a:r>
+              <a:rPr lang="de-DE" b="1" dirty="0">
+                <a:solidFill>
+                  <a:srgbClr val="FF0000"/>
+                </a:solidFill>
+                <a:hlinkClick r:id="rId2"/>
+              </a:rPr>
+              <a:t>git@gitlab.com</a:t>
+            </a:r>
+            <a:endParaRPr lang="de-DE" b="1" dirty="0">
+              <a:solidFill>
+                <a:srgbClr val="FF0000"/>
+              </a:solidFill>
+            </a:endParaRPr>
+          </a:p>
+          <a:p>
+            <a:endParaRPr lang="de-DE" b="1" dirty="0">
+              <a:solidFill>
+                <a:srgbClr val="FF0000"/>
+              </a:solidFill>
+            </a:endParaRPr>
+          </a:p>
+          <a:p>
+            <a:endParaRPr lang="de-DE" b="1" dirty="0">
+              <a:solidFill>
+                <a:srgbClr val="FF0000"/>
+              </a:solidFill>
+            </a:endParaRPr>
+          </a:p>
+          <a:p>
+            <a:endParaRPr lang="de-DE" b="1" dirty="0">
+              <a:solidFill>
+                <a:srgbClr val="FF0000"/>
+              </a:solidFill>
+            </a:endParaRPr>
+          </a:p>
+          <a:p>
+            <a:r>
+              <a:rPr lang="de-DE" dirty="0" err="1">
+                <a:solidFill>
+                  <a:schemeClr val="tx1">
+                    <a:lumMod val="65000"/>
+                    <a:lumOff val="35000"/>
+                  </a:schemeClr>
+                </a:solidFill>
+              </a:rPr>
+              <a:t>Félicitations</a:t>
+            </a:r>
+            <a:r>
+              <a:rPr lang="de-DE" dirty="0">
+                <a:solidFill>
+                  <a:schemeClr val="tx1">
+                    <a:lumMod val="65000"/>
+                    <a:lumOff val="35000"/>
+                  </a:schemeClr>
+                </a:solidFill>
+              </a:rPr>
+              <a:t> </a:t>
+            </a:r>
+            <a:r>
+              <a:rPr lang="de-DE" dirty="0" err="1">
+                <a:solidFill>
+                  <a:schemeClr val="tx1">
+                    <a:lumMod val="65000"/>
+                    <a:lumOff val="35000"/>
+                  </a:schemeClr>
+                </a:solidFill>
+              </a:rPr>
+              <a:t>vous</a:t>
+            </a:r>
+            <a:r>
+              <a:rPr lang="de-DE" dirty="0">
+                <a:solidFill>
+                  <a:schemeClr val="tx1">
+                    <a:lumMod val="65000"/>
+                    <a:lumOff val="35000"/>
+                  </a:schemeClr>
+                </a:solidFill>
+              </a:rPr>
+              <a:t> </a:t>
+            </a:r>
+            <a:r>
+              <a:rPr lang="de-DE" dirty="0" err="1">
+                <a:solidFill>
+                  <a:schemeClr val="tx1">
+                    <a:lumMod val="65000"/>
+                    <a:lumOff val="35000"/>
+                  </a:schemeClr>
+                </a:solidFill>
+              </a:rPr>
+              <a:t>pouvez</a:t>
+            </a:r>
+            <a:r>
+              <a:rPr lang="de-DE" dirty="0">
+                <a:solidFill>
+                  <a:schemeClr val="tx1">
+                    <a:lumMod val="65000"/>
+                    <a:lumOff val="35000"/>
+                  </a:schemeClr>
+                </a:solidFill>
+              </a:rPr>
+              <a:t> </a:t>
+            </a:r>
+            <a:r>
+              <a:rPr lang="de-DE" dirty="0" err="1">
+                <a:solidFill>
+                  <a:schemeClr val="tx1">
+                    <a:lumMod val="65000"/>
+                    <a:lumOff val="35000"/>
+                  </a:schemeClr>
+                </a:solidFill>
+              </a:rPr>
+              <a:t>désormais</a:t>
+            </a:r>
+            <a:r>
+              <a:rPr lang="de-DE" dirty="0">
+                <a:solidFill>
+                  <a:schemeClr val="tx1">
+                    <a:lumMod val="65000"/>
+                    <a:lumOff val="35000"/>
+                  </a:schemeClr>
+                </a:solidFill>
+              </a:rPr>
+              <a:t> </a:t>
+            </a:r>
+            <a:r>
+              <a:rPr lang="de-DE" dirty="0" err="1">
+                <a:solidFill>
+                  <a:schemeClr val="tx1">
+                    <a:lumMod val="65000"/>
+                    <a:lumOff val="35000"/>
+                  </a:schemeClr>
+                </a:solidFill>
+              </a:rPr>
+              <a:t>intéragir</a:t>
+            </a:r>
+            <a:r>
+              <a:rPr lang="de-DE" dirty="0">
+                <a:solidFill>
+                  <a:schemeClr val="tx1">
+                    <a:lumMod val="65000"/>
+                    <a:lumOff val="35000"/>
+                  </a:schemeClr>
+                </a:solidFill>
+              </a:rPr>
+              <a:t> </a:t>
+            </a:r>
+            <a:r>
+              <a:rPr lang="de-DE" dirty="0" err="1">
+                <a:solidFill>
+                  <a:schemeClr val="tx1">
+                    <a:lumMod val="65000"/>
+                    <a:lumOff val="35000"/>
+                  </a:schemeClr>
+                </a:solidFill>
+              </a:rPr>
+              <a:t>avec</a:t>
+            </a:r>
+            <a:r>
+              <a:rPr lang="de-DE" dirty="0">
+                <a:solidFill>
+                  <a:schemeClr val="tx1">
+                    <a:lumMod val="65000"/>
+                    <a:lumOff val="35000"/>
+                  </a:schemeClr>
+                </a:solidFill>
+              </a:rPr>
+              <a:t> </a:t>
+            </a:r>
+            <a:r>
+              <a:rPr lang="de-DE" dirty="0" err="1">
+                <a:solidFill>
+                  <a:schemeClr val="tx1">
+                    <a:lumMod val="65000"/>
+                    <a:lumOff val="35000"/>
+                  </a:schemeClr>
+                </a:solidFill>
+              </a:rPr>
+              <a:t>votre</a:t>
+            </a:r>
+            <a:r>
+              <a:rPr lang="de-DE" dirty="0">
+                <a:solidFill>
+                  <a:schemeClr val="tx1">
+                    <a:lumMod val="65000"/>
+                    <a:lumOff val="35000"/>
+                  </a:schemeClr>
+                </a:solidFill>
+              </a:rPr>
+              <a:t> </a:t>
+            </a:r>
+            <a:r>
+              <a:rPr lang="de-DE" dirty="0" err="1">
+                <a:solidFill>
+                  <a:schemeClr val="tx1">
+                    <a:lumMod val="65000"/>
+                    <a:lumOff val="35000"/>
+                  </a:schemeClr>
+                </a:solidFill>
+              </a:rPr>
+              <a:t>répository</a:t>
+            </a:r>
+            <a:r>
+              <a:rPr lang="de-DE" dirty="0">
+                <a:solidFill>
+                  <a:schemeClr val="tx1">
+                    <a:lumMod val="65000"/>
+                    <a:lumOff val="35000"/>
+                  </a:schemeClr>
+                </a:solidFill>
+              </a:rPr>
+              <a:t> </a:t>
+            </a:r>
+            <a:r>
+              <a:rPr lang="de-DE" dirty="0" err="1">
+                <a:solidFill>
+                  <a:schemeClr val="tx1">
+                    <a:lumMod val="65000"/>
+                    <a:lumOff val="35000"/>
+                  </a:schemeClr>
+                </a:solidFill>
+              </a:rPr>
+              <a:t>distant</a:t>
+            </a:r>
+            <a:endParaRPr lang="de-DE" dirty="0">
+              <a:solidFill>
+                <a:schemeClr val="tx1">
+                  <a:lumMod val="65000"/>
+                  <a:lumOff val="35000"/>
+                </a:schemeClr>
+              </a:solidFill>
+            </a:endParaRPr>
+          </a:p>
+          <a:p>
+            <a:r>
+              <a:rPr lang="de-DE" dirty="0" err="1">
+                <a:solidFill>
+                  <a:schemeClr val="tx1">
+                    <a:lumMod val="65000"/>
+                    <a:lumOff val="35000"/>
+                  </a:schemeClr>
+                </a:solidFill>
+              </a:rPr>
+              <a:t>Vous</a:t>
+            </a:r>
+            <a:r>
+              <a:rPr lang="de-DE" dirty="0">
+                <a:solidFill>
+                  <a:schemeClr val="tx1">
+                    <a:lumMod val="65000"/>
+                    <a:lumOff val="35000"/>
+                  </a:schemeClr>
+                </a:solidFill>
+              </a:rPr>
+              <a:t> </a:t>
+            </a:r>
+            <a:r>
+              <a:rPr lang="de-DE" dirty="0" err="1">
+                <a:solidFill>
+                  <a:schemeClr val="tx1">
+                    <a:lumMod val="65000"/>
+                    <a:lumOff val="35000"/>
+                  </a:schemeClr>
+                </a:solidFill>
+              </a:rPr>
+              <a:t>pouvez</a:t>
+            </a:r>
+            <a:r>
+              <a:rPr lang="de-DE" dirty="0">
+                <a:solidFill>
+                  <a:schemeClr val="tx1">
+                    <a:lumMod val="65000"/>
+                    <a:lumOff val="35000"/>
+                  </a:schemeClr>
+                </a:solidFill>
+              </a:rPr>
+              <a:t> </a:t>
+            </a:r>
+            <a:r>
+              <a:rPr lang="de-DE" dirty="0" err="1">
+                <a:solidFill>
+                  <a:schemeClr val="tx1">
+                    <a:lumMod val="65000"/>
+                    <a:lumOff val="35000"/>
+                  </a:schemeClr>
+                </a:solidFill>
+              </a:rPr>
+              <a:t>créer</a:t>
+            </a:r>
+            <a:r>
+              <a:rPr lang="de-DE" dirty="0">
+                <a:solidFill>
+                  <a:schemeClr val="tx1">
+                    <a:lumMod val="65000"/>
+                    <a:lumOff val="35000"/>
+                  </a:schemeClr>
+                </a:solidFill>
+              </a:rPr>
+              <a:t> </a:t>
+            </a:r>
+            <a:r>
+              <a:rPr lang="de-DE" dirty="0" err="1">
+                <a:solidFill>
+                  <a:schemeClr val="tx1">
+                    <a:lumMod val="65000"/>
+                    <a:lumOff val="35000"/>
+                  </a:schemeClr>
+                </a:solidFill>
+              </a:rPr>
+              <a:t>un</a:t>
+            </a:r>
+            <a:r>
+              <a:rPr lang="de-DE" dirty="0">
+                <a:solidFill>
+                  <a:schemeClr val="tx1">
+                    <a:lumMod val="65000"/>
+                    <a:lumOff val="35000"/>
+                  </a:schemeClr>
+                </a:solidFill>
+              </a:rPr>
+              <a:t> </a:t>
+            </a:r>
+            <a:r>
+              <a:rPr lang="de-DE" dirty="0" err="1">
+                <a:solidFill>
+                  <a:schemeClr val="tx1">
+                    <a:lumMod val="65000"/>
+                    <a:lumOff val="35000"/>
+                  </a:schemeClr>
+                </a:solidFill>
+              </a:rPr>
+              <a:t>repo</a:t>
+            </a:r>
+            <a:r>
+              <a:rPr lang="de-DE" dirty="0">
+                <a:solidFill>
+                  <a:schemeClr val="tx1">
+                    <a:lumMod val="65000"/>
+                    <a:lumOff val="35000"/>
+                  </a:schemeClr>
+                </a:solidFill>
+              </a:rPr>
+              <a:t> </a:t>
+            </a:r>
+            <a:r>
+              <a:rPr lang="de-DE" dirty="0" err="1">
+                <a:solidFill>
+                  <a:schemeClr val="tx1">
+                    <a:lumMod val="65000"/>
+                    <a:lumOff val="35000"/>
+                  </a:schemeClr>
+                </a:solidFill>
+              </a:rPr>
+              <a:t>distant</a:t>
+            </a:r>
+            <a:r>
+              <a:rPr lang="de-DE" dirty="0">
+                <a:solidFill>
+                  <a:schemeClr val="tx1">
+                    <a:lumMod val="65000"/>
+                    <a:lumOff val="35000"/>
+                  </a:schemeClr>
+                </a:solidFill>
+              </a:rPr>
+              <a:t> et le </a:t>
+            </a:r>
+            <a:r>
+              <a:rPr lang="de-DE" dirty="0" err="1">
+                <a:solidFill>
+                  <a:schemeClr val="tx1">
+                    <a:lumMod val="65000"/>
+                    <a:lumOff val="35000"/>
+                  </a:schemeClr>
+                </a:solidFill>
+              </a:rPr>
+              <a:t>cloner</a:t>
+            </a:r>
+            <a:r>
+              <a:rPr lang="de-DE" dirty="0">
+                <a:solidFill>
+                  <a:schemeClr val="tx1">
+                    <a:lumMod val="65000"/>
+                    <a:lumOff val="35000"/>
+                  </a:schemeClr>
+                </a:solidFill>
+              </a:rPr>
+              <a:t> et </a:t>
+            </a:r>
+            <a:r>
+              <a:rPr lang="de-DE" dirty="0" err="1">
+                <a:solidFill>
+                  <a:schemeClr val="tx1">
+                    <a:lumMod val="65000"/>
+                    <a:lumOff val="35000"/>
+                  </a:schemeClr>
+                </a:solidFill>
+              </a:rPr>
+              <a:t>l‘associer</a:t>
+            </a:r>
+            <a:r>
+              <a:rPr lang="de-DE" dirty="0">
+                <a:solidFill>
+                  <a:schemeClr val="tx1">
+                    <a:lumMod val="65000"/>
+                    <a:lumOff val="35000"/>
+                  </a:schemeClr>
+                </a:solidFill>
+              </a:rPr>
+              <a:t> à </a:t>
+            </a:r>
+            <a:r>
+              <a:rPr lang="de-DE" dirty="0" err="1">
+                <a:solidFill>
+                  <a:schemeClr val="tx1">
+                    <a:lumMod val="65000"/>
+                    <a:lumOff val="35000"/>
+                  </a:schemeClr>
+                </a:solidFill>
+              </a:rPr>
+              <a:t>un</a:t>
+            </a:r>
+            <a:r>
+              <a:rPr lang="de-DE" dirty="0">
+                <a:solidFill>
+                  <a:schemeClr val="tx1">
+                    <a:lumMod val="65000"/>
+                    <a:lumOff val="35000"/>
+                  </a:schemeClr>
+                </a:solidFill>
+              </a:rPr>
+              <a:t> </a:t>
+            </a:r>
+            <a:r>
+              <a:rPr lang="de-DE" dirty="0" err="1">
+                <a:solidFill>
+                  <a:schemeClr val="tx1">
+                    <a:lumMod val="65000"/>
+                    <a:lumOff val="35000"/>
+                  </a:schemeClr>
+                </a:solidFill>
+              </a:rPr>
+              <a:t>depot</a:t>
+            </a:r>
+            <a:r>
+              <a:rPr lang="de-DE" dirty="0">
+                <a:solidFill>
+                  <a:schemeClr val="tx1">
+                    <a:lumMod val="65000"/>
+                    <a:lumOff val="35000"/>
+                  </a:schemeClr>
+                </a:solidFill>
+              </a:rPr>
+              <a:t> </a:t>
+            </a:r>
+            <a:r>
+              <a:rPr lang="de-DE" dirty="0" err="1">
+                <a:solidFill>
+                  <a:schemeClr val="tx1">
+                    <a:lumMod val="65000"/>
+                    <a:lumOff val="35000"/>
+                  </a:schemeClr>
+                </a:solidFill>
+              </a:rPr>
+              <a:t>local</a:t>
+            </a:r>
+            <a:r>
+              <a:rPr lang="de-DE" dirty="0">
+                <a:solidFill>
+                  <a:schemeClr val="tx1">
+                    <a:lumMod val="65000"/>
+                    <a:lumOff val="35000"/>
+                  </a:schemeClr>
+                </a:solidFill>
+              </a:rPr>
+              <a:t> </a:t>
+            </a:r>
+            <a:r>
+              <a:rPr lang="de-DE" dirty="0" err="1">
+                <a:solidFill>
+                  <a:schemeClr val="tx1">
+                    <a:lumMod val="65000"/>
+                    <a:lumOff val="35000"/>
+                  </a:schemeClr>
+                </a:solidFill>
+              </a:rPr>
+              <a:t>déjà</a:t>
+            </a:r>
+            <a:r>
+              <a:rPr lang="de-DE" dirty="0">
+                <a:solidFill>
+                  <a:schemeClr val="tx1">
+                    <a:lumMod val="65000"/>
+                    <a:lumOff val="35000"/>
+                  </a:schemeClr>
+                </a:solidFill>
+              </a:rPr>
+              <a:t> </a:t>
+            </a:r>
+            <a:r>
+              <a:rPr lang="de-DE" dirty="0" err="1">
+                <a:solidFill>
+                  <a:schemeClr val="tx1">
+                    <a:lumMod val="65000"/>
+                    <a:lumOff val="35000"/>
+                  </a:schemeClr>
+                </a:solidFill>
+              </a:rPr>
+              <a:t>crée</a:t>
+            </a:r>
+            <a:r>
+              <a:rPr lang="de-DE" dirty="0">
+                <a:solidFill>
+                  <a:schemeClr val="tx1">
+                    <a:lumMod val="65000"/>
+                    <a:lumOff val="35000"/>
+                  </a:schemeClr>
+                </a:solidFill>
+              </a:rPr>
+              <a:t>.</a:t>
+            </a:r>
+            <a:endParaRPr lang="fr-FR" dirty="0">
+              <a:solidFill>
+                <a:schemeClr val="tx1">
+                  <a:lumMod val="65000"/>
+                  <a:lumOff val="35000"/>
+                </a:schemeClr>
+              </a:solidFill>
+            </a:endParaRPr>
+          </a:p>
+        </p:txBody>
+      </p:sp>
+      <p:pic>
+        <p:nvPicPr>
+          <p:cNvPr id="5" name="Image 4">
+            <a:extLst>
+              <a:ext uri="{FF2B5EF4-FFF2-40B4-BE49-F238E27FC236}">
+                <a16:creationId xmlns:a16="http://schemas.microsoft.com/office/drawing/2014/main" id="{7E1700D7-DB36-D356-E55C-BD5877511046}"/>
+              </a:ext>
+            </a:extLst>
+          </p:cNvPr>
+          <p:cNvPicPr>
+            <a:picLocks noChangeAspect="1"/>
+          </p:cNvPicPr>
+          <p:nvPr/>
+        </p:nvPicPr>
+        <p:blipFill rotWithShape="1">
+          <a:blip r:embed="rId3"/>
+          <a:srcRect t="89319" r="68518"/>
+          <a:stretch/>
+        </p:blipFill>
+        <p:spPr>
+          <a:xfrm>
+            <a:off x="3244549" y="3823213"/>
+            <a:ext cx="3677460" cy="732503"/>
+          </a:xfrm>
+          <a:prstGeom prst="rect">
+            <a:avLst/>
+          </a:prstGeom>
+        </p:spPr>
+      </p:pic>
+    </p:spTree>
+    <p:extLst>
+      <p:ext uri="{BB962C8B-B14F-4D97-AF65-F5344CB8AC3E}">
+        <p14:creationId xmlns:p14="http://schemas.microsoft.com/office/powerpoint/2010/main" val="2642577329"/>
       </p:ext>
     </p:extLst>
   </p:cSld>
